--- a/Electron Workshop.pptx
+++ b/Electron Workshop.pptx
@@ -5460,6 +5460,12 @@
             <a:r>
               <a:rPr lang="en-US" dirty="0" smtClean="0"/>
               <a:t>Create an App</a:t>
+            </a:r>
+          </a:p>
+          <a:p>
+            <a:r>
+              <a:rPr lang="en-US" dirty="0" smtClean="0"/>
+              <a:t>Live Reload</a:t>
             </a:r>
           </a:p>
           <a:p>

--- a/Electron Workshop.pptx
+++ b/Electron Workshop.pptx
@@ -6604,7 +6604,65 @@
             </a:pPr>
             <a:r>
               <a:rPr lang="en-US" sz="2200" dirty="0"/>
-              <a:t>https://</a:t>
+              <a:t>http://</a:t>
+            </a:r>
+            <a:r>
+              <a:rPr lang="en-US" sz="2200" dirty="0" err="1" smtClean="0"/>
+              <a:t>bit.ly</a:t>
+            </a:r>
+            <a:r>
+              <a:rPr lang="en-US" sz="2200" dirty="0" smtClean="0"/>
+              <a:t>/electron-workshop</a:t>
+            </a:r>
+          </a:p>
+          <a:p>
+            <a:pPr marL="0" lvl="0" indent="0" defTabSz="914400">
+              <a:spcBef>
+                <a:spcPts val="0"/>
+              </a:spcBef>
+              <a:buNone/>
+            </a:pPr>
+            <a:r>
+              <a:rPr lang="en-US" sz="2200" dirty="0"/>
+              <a:t> </a:t>
+            </a:r>
+            <a:endParaRPr lang="en-US" sz="2200" dirty="0" smtClean="0"/>
+          </a:p>
+          <a:p>
+            <a:pPr marL="0" lvl="0" indent="0" defTabSz="914400">
+              <a:spcBef>
+                <a:spcPts val="0"/>
+              </a:spcBef>
+              <a:buNone/>
+            </a:pPr>
+            <a:r>
+              <a:rPr lang="en-US" sz="2200" smtClean="0"/>
+              <a:t> - or –</a:t>
+            </a:r>
+          </a:p>
+          <a:p>
+            <a:pPr marL="0" lvl="0" indent="0" defTabSz="914400">
+              <a:spcBef>
+                <a:spcPts val="0"/>
+              </a:spcBef>
+              <a:buNone/>
+            </a:pPr>
+            <a:endParaRPr lang="en-US" sz="2200"/>
+          </a:p>
+          <a:p>
+            <a:pPr marL="0" lvl="0" indent="0" defTabSz="914400">
+              <a:spcBef>
+                <a:spcPts val="0"/>
+              </a:spcBef>
+              <a:buNone/>
+            </a:pPr>
+            <a:r>
+              <a:rPr lang="en-US" sz="2200" dirty="0" smtClean="0"/>
+              <a:t>https</a:t>
+            </a:r>
+            <a:r>
+              <a:rPr lang="en-US" sz="2200" dirty="0"/>
+              <a:t>://</a:t>
             </a:r>
             <a:r>
               <a:rPr lang="en-US" sz="2200" dirty="0" err="1"/>
@@ -6676,6 +6734,153 @@
                                           <p:spTgt spid="3">
                                             <p:txEl>
                                               <p:pRg st="0" end="0"/>
+                                            </p:txEl>
+                                          </p:spTgt>
+                                        </p:tgtEl>
+                                        <p:attrNameLst>
+                                          <p:attrName>style.visibility</p:attrName>
+                                        </p:attrNameLst>
+                                      </p:cBhvr>
+                                      <p:to>
+                                        <p:strVal val="visible"/>
+                                      </p:to>
+                                    </p:set>
+                                  </p:childTnLst>
+                                </p:cTn>
+                              </p:par>
+                            </p:childTnLst>
+                          </p:cTn>
+                        </p:par>
+                      </p:childTnLst>
+                    </p:cTn>
+                  </p:par>
+                  <p:par>
+                    <p:cTn id="7" fill="hold">
+                      <p:stCondLst>
+                        <p:cond delay="indefinite"/>
+                      </p:stCondLst>
+                      <p:childTnLst>
+                        <p:par>
+                          <p:cTn id="8" fill="hold">
+                            <p:stCondLst>
+                              <p:cond delay="0"/>
+                            </p:stCondLst>
+                            <p:childTnLst>
+                              <p:par>
+                                <p:cTn id="9" presetID="1" presetClass="entr" presetSubtype="0" fill="hold" grpId="0" nodeType="clickEffect">
+                                  <p:stCondLst>
+                                    <p:cond delay="0"/>
+                                  </p:stCondLst>
+                                  <p:childTnLst>
+                                    <p:set>
+                                      <p:cBhvr>
+                                        <p:cTn id="10" dur="1" fill="hold">
+                                          <p:stCondLst>
+                                            <p:cond delay="0"/>
+                                          </p:stCondLst>
+                                        </p:cTn>
+                                        <p:tgtEl>
+                                          <p:spTgt spid="3">
+                                            <p:txEl>
+                                              <p:pRg st="1" end="1"/>
+                                            </p:txEl>
+                                          </p:spTgt>
+                                        </p:tgtEl>
+                                        <p:attrNameLst>
+                                          <p:attrName>style.visibility</p:attrName>
+                                        </p:attrNameLst>
+                                      </p:cBhvr>
+                                      <p:to>
+                                        <p:strVal val="visible"/>
+                                      </p:to>
+                                    </p:set>
+                                  </p:childTnLst>
+                                </p:cTn>
+                              </p:par>
+                            </p:childTnLst>
+                          </p:cTn>
+                        </p:par>
+                      </p:childTnLst>
+                    </p:cTn>
+                  </p:par>
+                  <p:par>
+                    <p:cTn id="11" fill="hold">
+                      <p:stCondLst>
+                        <p:cond delay="indefinite"/>
+                      </p:stCondLst>
+                      <p:childTnLst>
+                        <p:par>
+                          <p:cTn id="12" fill="hold">
+                            <p:stCondLst>
+                              <p:cond delay="0"/>
+                            </p:stCondLst>
+                            <p:childTnLst>
+                              <p:par>
+                                <p:cTn id="13" presetID="1" presetClass="entr" presetSubtype="0" fill="hold" grpId="0" nodeType="clickEffect">
+                                  <p:stCondLst>
+                                    <p:cond delay="0"/>
+                                  </p:stCondLst>
+                                  <p:childTnLst>
+                                    <p:set>
+                                      <p:cBhvr>
+                                        <p:cTn id="14" dur="1" fill="hold">
+                                          <p:stCondLst>
+                                            <p:cond delay="0"/>
+                                          </p:stCondLst>
+                                        </p:cTn>
+                                        <p:tgtEl>
+                                          <p:spTgt spid="3">
+                                            <p:txEl>
+                                              <p:pRg st="2" end="2"/>
+                                            </p:txEl>
+                                          </p:spTgt>
+                                        </p:tgtEl>
+                                        <p:attrNameLst>
+                                          <p:attrName>style.visibility</p:attrName>
+                                        </p:attrNameLst>
+                                      </p:cBhvr>
+                                      <p:to>
+                                        <p:strVal val="visible"/>
+                                      </p:to>
+                                    </p:set>
+                                  </p:childTnLst>
+                                </p:cTn>
+                              </p:par>
+                            </p:childTnLst>
+                          </p:cTn>
+                        </p:par>
+                      </p:childTnLst>
+                    </p:cTn>
+                  </p:par>
+                  <p:par>
+                    <p:cTn id="15" fill="hold">
+                      <p:stCondLst>
+                        <p:cond delay="indefinite"/>
+                      </p:stCondLst>
+                      <p:childTnLst>
+                        <p:par>
+                          <p:cTn id="16" fill="hold">
+                            <p:stCondLst>
+                              <p:cond delay="0"/>
+                            </p:stCondLst>
+                            <p:childTnLst>
+                              <p:par>
+                                <p:cTn id="17" presetID="1" presetClass="entr" presetSubtype="0" fill="hold" grpId="0" nodeType="clickEffect">
+                                  <p:stCondLst>
+                                    <p:cond delay="0"/>
+                                  </p:stCondLst>
+                                  <p:childTnLst>
+                                    <p:set>
+                                      <p:cBhvr>
+                                        <p:cTn id="18" dur="1" fill="hold">
+                                          <p:stCondLst>
+                                            <p:cond delay="0"/>
+                                          </p:stCondLst>
+                                        </p:cTn>
+                                        <p:tgtEl>
+                                          <p:spTgt spid="3">
+                                            <p:txEl>
+                                              <p:pRg st="4" end="4"/>
                                             </p:txEl>
                                           </p:spTgt>
                                         </p:tgtEl>

--- a/Electron Workshop.pptx
+++ b/Electron Workshop.pptx
@@ -16,9 +16,9 @@
     <p:sldId id="402" r:id="rId7"/>
     <p:sldId id="403" r:id="rId8"/>
     <p:sldId id="404" r:id="rId9"/>
-    <p:sldId id="428" r:id="rId10"/>
-    <p:sldId id="343" r:id="rId11"/>
-    <p:sldId id="441" r:id="rId12"/>
+    <p:sldId id="429" r:id="rId10"/>
+    <p:sldId id="428" r:id="rId11"/>
+    <p:sldId id="343" r:id="rId12"/>
     <p:sldId id="334" r:id="rId13"/>
   </p:sldIdLst>
   <p:sldSz cx="9144000" cy="5143500" type="screen16x9"/>
@@ -219,7 +219,7 @@
           <a:p>
             <a:fld id="{38313F0C-891E-8E4A-9C61-E8828C8DD4A0}" type="datetimeFigureOut">
               <a:rPr lang="en-US" smtClean="0"/>
-              <a:t>4/10/16</a:t>
+              <a:t>7/31/17</a:t>
             </a:fld>
             <a:endParaRPr lang="en-US"/>
           </a:p>
@@ -1091,47 +1091,17 @@
           <a:bodyPr/>
           <a:lstStyle/>
           <a:p>
-            <a:pPr marL="171450" indent="-171450">
-              <a:buFont typeface="Arial" charset="0"/>
-              <a:buChar char="•"/>
-            </a:pPr>
             <a:r>
               <a:rPr lang="en-US" dirty="0" smtClean="0"/>
-              <a:t>App: application</a:t>
+              <a:t>Now I’d like</a:t>
             </a:r>
             <a:r>
               <a:rPr lang="en-US" baseline="0" dirty="0" smtClean="0"/>
-              <a:t> lifecycle events, command-line arguments, system/user paths, launch browser windows (renderers)</a:t>
-            </a:r>
-          </a:p>
-          <a:p>
-            <a:pPr marL="171450" indent="-171450">
-              <a:buFont typeface="Arial" charset="0"/>
-              <a:buChar char="•"/>
-            </a:pPr>
-            <a:r>
-              <a:rPr lang="en-US" baseline="0" dirty="0" smtClean="0"/>
-              <a:t>Dialog: File Open/Save, Info and Error</a:t>
-            </a:r>
-          </a:p>
-          <a:p>
-            <a:pPr marL="171450" indent="-171450">
-              <a:buFont typeface="Arial" charset="0"/>
-              <a:buChar char="•"/>
-            </a:pPr>
-            <a:r>
-              <a:rPr lang="en-US" baseline="0" dirty="0" smtClean="0"/>
-              <a:t>Menu: Native app and context menus</a:t>
-            </a:r>
-          </a:p>
-          <a:p>
-            <a:pPr marL="171450" indent="-171450">
-              <a:buFont typeface="Arial" charset="0"/>
-              <a:buChar char="•"/>
-            </a:pPr>
-            <a:r>
-              <a:rPr lang="en-US" baseline="0" dirty="0" smtClean="0"/>
-              <a:t>Power monitor: monitor power state changes</a:t>
+              <a:t> to show you just how easy it is to get started with Electron</a:t>
+            </a:r>
+            <a:r>
+              <a:rPr lang="is-IS" baseline="0" dirty="0" smtClean="0"/>
+              <a:t>…</a:t>
             </a:r>
             <a:endParaRPr lang="en-US" dirty="0"/>
           </a:p>
@@ -1163,7 +1133,7 @@
     </p:spTree>
     <p:extLst>
       <p:ext uri="{BB962C8B-B14F-4D97-AF65-F5344CB8AC3E}">
-        <p14:creationId xmlns:p14="http://schemas.microsoft.com/office/powerpoint/2010/main" val="118126599"/>
+        <p14:creationId xmlns:p14="http://schemas.microsoft.com/office/powerpoint/2010/main" val="1564246736"/>
       </p:ext>
     </p:extLst>
   </p:cSld>
@@ -1218,35 +1188,97 @@
           <a:lstStyle/>
           <a:p>
             <a:pPr marL="171450" indent="-171450">
-              <a:buFontTx/>
+              <a:buFont typeface="Arial" charset="0"/>
               <a:buChar char="•"/>
             </a:pPr>
-            <a:r>
-              <a:rPr lang="en-US" dirty="0" smtClean="0"/>
-              <a:t>Run some experiments</a:t>
-            </a:r>
-          </a:p>
+            <a:endParaRPr lang="en-US" dirty="0"/>
+          </a:p>
+        </p:txBody>
+      </p:sp>
+      <p:sp>
+        <p:nvSpPr>
+          <p:cNvPr id="4" name="Slide Number Placeholder 3"/>
+          <p:cNvSpPr>
+            <a:spLocks noGrp="1"/>
+          </p:cNvSpPr>
+          <p:nvPr>
+            <p:ph type="sldNum" sz="quarter" idx="10"/>
+          </p:nvPr>
+        </p:nvSpPr>
+        <p:spPr/>
+        <p:txBody>
+          <a:bodyPr/>
+          <a:lstStyle/>
+          <a:p>
+            <a:fld id="{ADA99F38-0982-A249-AACF-CA4BE6B81F2F}" type="slidenum">
+              <a:rPr lang="en-US" smtClean="0"/>
+              <a:t>10</a:t>
+            </a:fld>
+            <a:endParaRPr lang="en-US"/>
+          </a:p>
+        </p:txBody>
+      </p:sp>
+    </p:spTree>
+    <p:extLst>
+      <p:ext uri="{BB962C8B-B14F-4D97-AF65-F5344CB8AC3E}">
+        <p14:creationId xmlns:p14="http://schemas.microsoft.com/office/powerpoint/2010/main" val="118126599"/>
+      </p:ext>
+    </p:extLst>
+  </p:cSld>
+  <p:clrMapOvr>
+    <a:masterClrMapping/>
+  </p:clrMapOvr>
+</p:notes>
+</file>
+
+<file path=ppt/notesSlides/notesSlide9.xml><?xml version="1.0" encoding="utf-8"?>
+<p:notes xmlns:a="http://schemas.openxmlformats.org/drawingml/2006/main" xmlns:r="http://schemas.openxmlformats.org/officeDocument/2006/relationships" xmlns:p="http://schemas.openxmlformats.org/presentationml/2006/main">
+  <p:cSld>
+    <p:spTree>
+      <p:nvGrpSpPr>
+        <p:cNvPr id="1" name=""/>
+        <p:cNvGrpSpPr/>
+        <p:nvPr/>
+      </p:nvGrpSpPr>
+      <p:grpSpPr>
+        <a:xfrm>
+          <a:off x="0" y="0"/>
+          <a:ext cx="0" cy="0"/>
+          <a:chOff x="0" y="0"/>
+          <a:chExt cx="0" cy="0"/>
+        </a:xfrm>
+      </p:grpSpPr>
+      <p:sp>
+        <p:nvSpPr>
+          <p:cNvPr id="2" name="Slide Image Placeholder 1"/>
+          <p:cNvSpPr>
+            <a:spLocks noGrp="1" noRot="1" noChangeAspect="1"/>
+          </p:cNvSpPr>
+          <p:nvPr>
+            <p:ph type="sldImg"/>
+          </p:nvPr>
+        </p:nvSpPr>
+        <p:spPr/>
+      </p:sp>
+      <p:sp>
+        <p:nvSpPr>
+          <p:cNvPr id="3" name="Notes Placeholder 2"/>
+          <p:cNvSpPr>
+            <a:spLocks noGrp="1"/>
+          </p:cNvSpPr>
+          <p:nvPr>
+            <p:ph type="body" idx="1"/>
+          </p:nvPr>
+        </p:nvSpPr>
+        <p:spPr/>
+        <p:txBody>
+          <a:bodyPr/>
+          <a:lstStyle/>
           <a:p>
             <a:pPr marL="171450" indent="-171450">
               <a:buFontTx/>
               <a:buChar char="•"/>
             </a:pPr>
-            <a:r>
-              <a:rPr lang="en-US" dirty="0" smtClean="0"/>
-              <a:t>Do like</a:t>
-            </a:r>
-            <a:r>
-              <a:rPr lang="en-US" baseline="0" dirty="0" smtClean="0"/>
-              <a:t> </a:t>
-            </a:r>
-            <a:r>
-              <a:rPr lang="en-US" baseline="0" dirty="0" err="1" smtClean="0"/>
-              <a:t>PayPay</a:t>
-            </a:r>
-            <a:r>
-              <a:rPr lang="en-US" baseline="0" dirty="0" smtClean="0"/>
-              <a:t> and give it a trial</a:t>
-            </a:r>
             <a:endParaRPr lang="en-US" dirty="0"/>
           </a:p>
         </p:txBody>
@@ -1268,7 +1300,7 @@
           <a:p>
             <a:fld id="{ADA99F38-0982-A249-AACF-CA4BE6B81F2F}" type="slidenum">
               <a:rPr lang="en-US" smtClean="0"/>
-              <a:t>10</a:t>
+              <a:t>11</a:t>
             </a:fld>
             <a:endParaRPr lang="en-US"/>
           </a:p>
@@ -1474,7 +1506,7 @@
           <a:p>
             <a:fld id="{97E07B1E-C049-FB4F-89D6-EC93544BE0E0}" type="datetimeFigureOut">
               <a:rPr lang="en-US" smtClean="0"/>
-              <a:t>4/10/16</a:t>
+              <a:t>7/31/17</a:t>
             </a:fld>
             <a:endParaRPr lang="en-US"/>
           </a:p>
@@ -1663,7 +1695,7 @@
           <a:p>
             <a:fld id="{97E07B1E-C049-FB4F-89D6-EC93544BE0E0}" type="datetimeFigureOut">
               <a:rPr lang="en-US" smtClean="0"/>
-              <a:t>4/10/16</a:t>
+              <a:t>7/31/17</a:t>
             </a:fld>
             <a:endParaRPr lang="en-US"/>
           </a:p>
@@ -1852,7 +1884,7 @@
           <a:p>
             <a:fld id="{97E07B1E-C049-FB4F-89D6-EC93544BE0E0}" type="datetimeFigureOut">
               <a:rPr lang="en-US" smtClean="0"/>
-              <a:t>4/10/16</a:t>
+              <a:t>7/31/17</a:t>
             </a:fld>
             <a:endParaRPr lang="en-US"/>
           </a:p>
@@ -2044,7 +2076,7 @@
           <a:p>
             <a:fld id="{97E07B1E-C049-FB4F-89D6-EC93544BE0E0}" type="datetimeFigureOut">
               <a:rPr lang="en-US" smtClean="0"/>
-              <a:t>4/10/16</a:t>
+              <a:t>7/31/17</a:t>
             </a:fld>
             <a:endParaRPr lang="en-US"/>
           </a:p>
@@ -2299,7 +2331,7 @@
           <a:p>
             <a:fld id="{97E07B1E-C049-FB4F-89D6-EC93544BE0E0}" type="datetimeFigureOut">
               <a:rPr lang="en-US" smtClean="0"/>
-              <a:t>4/10/16</a:t>
+              <a:t>7/31/17</a:t>
             </a:fld>
             <a:endParaRPr lang="en-US"/>
           </a:p>
@@ -2604,7 +2636,7 @@
           <a:p>
             <a:fld id="{97E07B1E-C049-FB4F-89D6-EC93544BE0E0}" type="datetimeFigureOut">
               <a:rPr lang="en-US" smtClean="0"/>
-              <a:t>4/10/16</a:t>
+              <a:t>7/31/17</a:t>
             </a:fld>
             <a:endParaRPr lang="en-US"/>
           </a:p>
@@ -3049,7 +3081,7 @@
           <a:p>
             <a:fld id="{97E07B1E-C049-FB4F-89D6-EC93544BE0E0}" type="datetimeFigureOut">
               <a:rPr lang="en-US" smtClean="0"/>
-              <a:t>4/10/16</a:t>
+              <a:t>7/31/17</a:t>
             </a:fld>
             <a:endParaRPr lang="en-US"/>
           </a:p>
@@ -3178,7 +3210,7 @@
           <a:p>
             <a:fld id="{97E07B1E-C049-FB4F-89D6-EC93544BE0E0}" type="datetimeFigureOut">
               <a:rPr lang="en-US" smtClean="0"/>
-              <a:t>4/10/16</a:t>
+              <a:t>7/31/17</a:t>
             </a:fld>
             <a:endParaRPr lang="en-US"/>
           </a:p>
@@ -3276,7 +3308,7 @@
           <a:p>
             <a:fld id="{97E07B1E-C049-FB4F-89D6-EC93544BE0E0}" type="datetimeFigureOut">
               <a:rPr lang="en-US" smtClean="0"/>
-              <a:t>4/10/16</a:t>
+              <a:t>7/31/17</a:t>
             </a:fld>
             <a:endParaRPr lang="en-US"/>
           </a:p>
@@ -3565,7 +3597,7 @@
           <a:p>
             <a:fld id="{97E07B1E-C049-FB4F-89D6-EC93544BE0E0}" type="datetimeFigureOut">
               <a:rPr lang="en-US" smtClean="0"/>
-              <a:t>4/10/16</a:t>
+              <a:t>7/31/17</a:t>
             </a:fld>
             <a:endParaRPr lang="en-US"/>
           </a:p>
@@ -3830,7 +3862,7 @@
           <a:p>
             <a:fld id="{97E07B1E-C049-FB4F-89D6-EC93544BE0E0}" type="datetimeFigureOut">
               <a:rPr lang="en-US" smtClean="0"/>
-              <a:t>4/10/16</a:t>
+              <a:t>7/31/17</a:t>
             </a:fld>
             <a:endParaRPr lang="en-US"/>
           </a:p>
@@ -3953,7 +3985,7 @@
             <a:fld id="{97E07B1E-C049-FB4F-89D6-EC93544BE0E0}" type="datetimeFigureOut">
               <a:rPr lang="en-US" smtClean="0"/>
               <a:pPr/>
-              <a:t>4/10/16</a:t>
+              <a:t>7/31/17</a:t>
             </a:fld>
             <a:endParaRPr lang="en-US" dirty="0"/>
           </a:p>
@@ -4431,43 +4463,6 @@
       </p:grpSpPr>
       <p:sp>
         <p:nvSpPr>
-          <p:cNvPr id="2" name="Title 1"/>
-          <p:cNvSpPr>
-            <a:spLocks noGrp="1"/>
-          </p:cNvSpPr>
-          <p:nvPr>
-            <p:ph type="ctrTitle"/>
-          </p:nvPr>
-        </p:nvSpPr>
-        <p:spPr>
-          <a:xfrm>
-            <a:off x="834887" y="346530"/>
-            <a:ext cx="7474226" cy="1405791"/>
-          </a:xfrm>
-        </p:spPr>
-        <p:txBody>
-          <a:bodyPr>
-            <a:normAutofit/>
-          </a:bodyPr>
-          <a:lstStyle/>
-          <a:p>
-            <a:pPr algn="ctr"/>
-            <a:r>
-              <a:rPr lang="en-US" dirty="0" smtClean="0">
-                <a:latin typeface="FFF Tusj Bold"/>
-                <a:cs typeface="FFF Tusj Bold"/>
-              </a:rPr>
-              <a:t>Electron Workshop</a:t>
-            </a:r>
-            <a:endParaRPr lang="en-US" dirty="0">
-              <a:latin typeface="FFF Tusj Bold"/>
-              <a:cs typeface="FFF Tusj Bold"/>
-            </a:endParaRPr>
-          </a:p>
-        </p:txBody>
-      </p:sp>
-      <p:sp>
-        <p:nvSpPr>
           <p:cNvPr id="4" name="Subtitle 2"/>
           <p:cNvSpPr txBox="1">
             <a:spLocks/>
@@ -4659,317 +4654,64 @@
           </a:p>
         </p:txBody>
       </p:sp>
-      <p:grpSp>
-        <p:nvGrpSpPr>
-          <p:cNvPr id="7" name="Group 6"/>
-          <p:cNvGrpSpPr/>
+      <p:pic>
+        <p:nvPicPr>
+          <p:cNvPr id="8" name="Picture 7"/>
+          <p:cNvPicPr>
+            <a:picLocks noChangeAspect="1"/>
+          </p:cNvPicPr>
           <p:nvPr/>
-        </p:nvGrpSpPr>
-        <p:grpSpPr>
+        </p:nvPicPr>
+        <p:blipFill rotWithShape="1">
+          <a:blip r:embed="rId3">
+            <a:extLst>
+              <a:ext uri="{28A0092B-C50C-407E-A947-70E740481C1C}">
+                <a14:useLocalDpi xmlns:a14="http://schemas.microsoft.com/office/drawing/2010/main" val="0"/>
+              </a:ext>
+            </a:extLst>
+          </a:blip>
+          <a:srcRect t="73759"/>
+          <a:stretch/>
+        </p:blipFill>
+        <p:spPr>
           <a:xfrm>
-            <a:off x="834887" y="1752321"/>
-            <a:ext cx="7474226" cy="2507422"/>
-            <a:chOff x="829365" y="1752321"/>
-            <a:chExt cx="7474226" cy="2507422"/>
+            <a:off x="0" y="3343883"/>
+            <a:ext cx="9148465" cy="1799617"/>
           </a:xfrm>
-        </p:grpSpPr>
-        <p:sp>
-          <p:nvSpPr>
-            <p:cNvPr id="5" name="Content Placeholder 2"/>
-            <p:cNvSpPr txBox="1">
-              <a:spLocks/>
-            </p:cNvSpPr>
-            <p:nvPr/>
-          </p:nvSpPr>
-          <p:spPr>
-            <a:xfrm>
-              <a:off x="3336787" y="2149886"/>
-              <a:ext cx="4966804" cy="1601304"/>
-            </a:xfrm>
-            <a:prstGeom prst="rect">
-              <a:avLst/>
-            </a:prstGeom>
-            <a:solidFill>
-              <a:schemeClr val="bg1"/>
-            </a:solidFill>
-            <a:ln>
-              <a:noFill/>
-            </a:ln>
-          </p:spPr>
-          <p:txBody>
-            <a:bodyPr vert="horz" lIns="91440" tIns="45720" rIns="91440" bIns="45720" rtlCol="0">
-              <a:normAutofit fontScale="92500"/>
-            </a:bodyPr>
-            <a:lstStyle>
-              <a:lvl1pPr marL="0" indent="0" algn="ctr" defTabSz="457200" rtl="0" eaLnBrk="1" latinLnBrk="0" hangingPunct="1">
-                <a:spcBef>
-                  <a:spcPct val="20000"/>
-                </a:spcBef>
-                <a:buFont typeface="Arial"/>
-                <a:buNone/>
-                <a:defRPr sz="3200" kern="1200">
-                  <a:solidFill>
-                    <a:schemeClr val="tx1">
-                      <a:tint val="75000"/>
-                    </a:schemeClr>
-                  </a:solidFill>
-                  <a:latin typeface="District Pro Thin"/>
-                  <a:ea typeface="+mn-ea"/>
-                  <a:cs typeface="District Pro Thin"/>
-                </a:defRPr>
-              </a:lvl1pPr>
-              <a:lvl2pPr marL="457200" indent="0" algn="ctr" defTabSz="457200" rtl="0" eaLnBrk="1" latinLnBrk="0" hangingPunct="1">
-                <a:spcBef>
-                  <a:spcPct val="20000"/>
-                </a:spcBef>
-                <a:buFont typeface="Arial"/>
-                <a:buNone/>
-                <a:defRPr sz="2800" kern="1200">
-                  <a:solidFill>
-                    <a:schemeClr val="tx1">
-                      <a:tint val="75000"/>
-                    </a:schemeClr>
-                  </a:solidFill>
-                  <a:latin typeface="District Pro Thin"/>
-                  <a:ea typeface="+mn-ea"/>
-                  <a:cs typeface="District Pro Thin"/>
-                </a:defRPr>
-              </a:lvl2pPr>
-              <a:lvl3pPr marL="914400" indent="0" algn="ctr" defTabSz="457200" rtl="0" eaLnBrk="1" latinLnBrk="0" hangingPunct="1">
-                <a:spcBef>
-                  <a:spcPct val="20000"/>
-                </a:spcBef>
-                <a:buFont typeface="Arial"/>
-                <a:buNone/>
-                <a:defRPr sz="2400" kern="1200">
-                  <a:solidFill>
-                    <a:schemeClr val="tx1">
-                      <a:tint val="75000"/>
-                    </a:schemeClr>
-                  </a:solidFill>
-                  <a:latin typeface="District Pro Thin"/>
-                  <a:ea typeface="+mn-ea"/>
-                  <a:cs typeface="District Pro Thin"/>
-                </a:defRPr>
-              </a:lvl3pPr>
-              <a:lvl4pPr marL="1371600" indent="0" algn="ctr" defTabSz="457200" rtl="0" eaLnBrk="1" latinLnBrk="0" hangingPunct="1">
-                <a:spcBef>
-                  <a:spcPct val="20000"/>
-                </a:spcBef>
-                <a:buFont typeface="Arial"/>
-                <a:buNone/>
-                <a:defRPr sz="2000" kern="1200">
-                  <a:solidFill>
-                    <a:schemeClr val="tx1">
-                      <a:tint val="75000"/>
-                    </a:schemeClr>
-                  </a:solidFill>
-                  <a:latin typeface="District Pro Thin"/>
-                  <a:ea typeface="+mn-ea"/>
-                  <a:cs typeface="District Pro Thin"/>
-                </a:defRPr>
-              </a:lvl4pPr>
-              <a:lvl5pPr marL="1828800" indent="0" algn="ctr" defTabSz="457200" rtl="0" eaLnBrk="1" latinLnBrk="0" hangingPunct="1">
-                <a:spcBef>
-                  <a:spcPct val="20000"/>
-                </a:spcBef>
-                <a:buFont typeface="Arial"/>
-                <a:buNone/>
-                <a:defRPr sz="2000" kern="1200">
-                  <a:solidFill>
-                    <a:schemeClr val="tx1">
-                      <a:tint val="75000"/>
-                    </a:schemeClr>
-                  </a:solidFill>
-                  <a:latin typeface="District Pro Thin"/>
-                  <a:ea typeface="+mn-ea"/>
-                  <a:cs typeface="District Pro Thin"/>
-                </a:defRPr>
-              </a:lvl5pPr>
-              <a:lvl6pPr marL="2286000" indent="0" algn="ctr" defTabSz="457200" rtl="0" eaLnBrk="1" latinLnBrk="0" hangingPunct="1">
-                <a:spcBef>
-                  <a:spcPct val="20000"/>
-                </a:spcBef>
-                <a:buFont typeface="Arial"/>
-                <a:buNone/>
-                <a:defRPr sz="2000" kern="1200">
-                  <a:solidFill>
-                    <a:schemeClr val="tx1">
-                      <a:tint val="75000"/>
-                    </a:schemeClr>
-                  </a:solidFill>
-                  <a:latin typeface="+mn-lt"/>
-                  <a:ea typeface="+mn-ea"/>
-                  <a:cs typeface="+mn-cs"/>
-                </a:defRPr>
-              </a:lvl6pPr>
-              <a:lvl7pPr marL="2743200" indent="0" algn="ctr" defTabSz="457200" rtl="0" eaLnBrk="1" latinLnBrk="0" hangingPunct="1">
-                <a:spcBef>
-                  <a:spcPct val="20000"/>
-                </a:spcBef>
-                <a:buFont typeface="Arial"/>
-                <a:buNone/>
-                <a:defRPr sz="2000" kern="1200">
-                  <a:solidFill>
-                    <a:schemeClr val="tx1">
-                      <a:tint val="75000"/>
-                    </a:schemeClr>
-                  </a:solidFill>
-                  <a:latin typeface="+mn-lt"/>
-                  <a:ea typeface="+mn-ea"/>
-                  <a:cs typeface="+mn-cs"/>
-                </a:defRPr>
-              </a:lvl7pPr>
-              <a:lvl8pPr marL="3200400" indent="0" algn="ctr" defTabSz="457200" rtl="0" eaLnBrk="1" latinLnBrk="0" hangingPunct="1">
-                <a:spcBef>
-                  <a:spcPct val="20000"/>
-                </a:spcBef>
-                <a:buFont typeface="Arial"/>
-                <a:buNone/>
-                <a:defRPr sz="2000" kern="1200">
-                  <a:solidFill>
-                    <a:schemeClr val="tx1">
-                      <a:tint val="75000"/>
-                    </a:schemeClr>
-                  </a:solidFill>
-                  <a:latin typeface="+mn-lt"/>
-                  <a:ea typeface="+mn-ea"/>
-                  <a:cs typeface="+mn-cs"/>
-                </a:defRPr>
-              </a:lvl8pPr>
-              <a:lvl9pPr marL="3657600" indent="0" algn="ctr" defTabSz="457200" rtl="0" eaLnBrk="1" latinLnBrk="0" hangingPunct="1">
-                <a:spcBef>
-                  <a:spcPct val="20000"/>
-                </a:spcBef>
-                <a:buFont typeface="Arial"/>
-                <a:buNone/>
-                <a:defRPr sz="2000" kern="1200">
-                  <a:solidFill>
-                    <a:schemeClr val="tx1">
-                      <a:tint val="75000"/>
-                    </a:schemeClr>
-                  </a:solidFill>
-                  <a:latin typeface="+mn-lt"/>
-                  <a:ea typeface="+mn-ea"/>
-                  <a:cs typeface="+mn-cs"/>
-                </a:defRPr>
-              </a:lvl9pPr>
-            </a:lstStyle>
-            <a:p>
-              <a:pPr algn="l"/>
-              <a:r>
-                <a:rPr lang="en-US" sz="1800" dirty="0" smtClean="0">
-                  <a:latin typeface="Source Code Pro"/>
-                  <a:cs typeface="Source Code Pro"/>
-                </a:rPr>
-                <a:t>var trustMe = {</a:t>
-              </a:r>
-            </a:p>
-            <a:p>
-              <a:pPr algn="l"/>
-              <a:r>
-                <a:rPr lang="en-US" sz="1800" dirty="0" smtClean="0">
-                  <a:latin typeface="Source Code Pro"/>
-                  <a:cs typeface="Source Code Pro"/>
-                </a:rPr>
-                <a:t>	</a:t>
-              </a:r>
-              <a:r>
-                <a:rPr lang="en-US" sz="1800" dirty="0">
-                  <a:latin typeface="Source Code Pro"/>
-                  <a:cs typeface="Source Code Pro"/>
-                </a:rPr>
-                <a:t>has: ["Beard", "Motorcycle"],</a:t>
-              </a:r>
-            </a:p>
-            <a:p>
-              <a:pPr algn="l"/>
-              <a:r>
-                <a:rPr lang="en-US" sz="1800" dirty="0">
-                  <a:latin typeface="Source Code Pro"/>
-                  <a:cs typeface="Source Code Pro"/>
-                </a:rPr>
-                <a:t>	consumes</a:t>
-              </a:r>
-              <a:r>
-                <a:rPr lang="en-US" sz="1800" dirty="0" smtClean="0">
-                  <a:latin typeface="Source Code Pro"/>
-                  <a:cs typeface="Source Code Pro"/>
-                </a:rPr>
-                <a:t>: ["Bacon", "Caffeine"],</a:t>
-              </a:r>
-            </a:p>
-            <a:p>
-              <a:pPr algn="l"/>
-              <a:r>
-                <a:rPr lang="en-US" sz="1800" dirty="0" smtClean="0">
-                  <a:latin typeface="Source Code Pro"/>
-                  <a:cs typeface="Source Code Pro"/>
-                </a:rPr>
-                <a:t>	</a:t>
-              </a:r>
-              <a:r>
-                <a:rPr lang="en-US" sz="1800" dirty="0" err="1" smtClean="0">
-                  <a:latin typeface="Source Code Pro"/>
-                  <a:cs typeface="Source Code Pro"/>
-                </a:rPr>
-                <a:t>sometimesCanComputer</a:t>
-              </a:r>
-              <a:r>
-                <a:rPr lang="en-US" sz="1800" dirty="0" smtClean="0">
-                  <a:latin typeface="Source Code Pro"/>
-                  <a:cs typeface="Source Code Pro"/>
-                </a:rPr>
-                <a:t>: true</a:t>
-              </a:r>
-            </a:p>
-            <a:p>
-              <a:pPr algn="l"/>
-              <a:r>
-                <a:rPr lang="en-US" sz="1800" dirty="0" smtClean="0">
-                  <a:latin typeface="Source Code Pro"/>
-                  <a:cs typeface="Source Code Pro"/>
-                </a:rPr>
-                <a:t>};</a:t>
-              </a:r>
-              <a:endParaRPr lang="en-US" sz="1800" dirty="0">
-                <a:latin typeface="Source Code Pro"/>
-                <a:cs typeface="Source Code Pro"/>
-              </a:endParaRPr>
-            </a:p>
-          </p:txBody>
-        </p:sp>
-        <p:pic>
-          <p:nvPicPr>
-            <p:cNvPr id="6" name="Picture 5" descr="david_cartoon_avatar.gif"/>
-            <p:cNvPicPr>
-              <a:picLocks noChangeAspect="1"/>
-            </p:cNvPicPr>
-            <p:nvPr/>
-          </p:nvPicPr>
-          <p:blipFill>
-            <a:blip r:embed="rId3">
-              <a:extLst>
-                <a:ext uri="{28A0092B-C50C-407E-A947-70E740481C1C}">
-                  <a14:useLocalDpi xmlns:a14="http://schemas.microsoft.com/office/drawing/2010/main" val="0"/>
-                </a:ext>
-              </a:extLst>
-            </a:blip>
-            <a:stretch>
-              <a:fillRect/>
-            </a:stretch>
-          </p:blipFill>
-          <p:spPr>
-            <a:xfrm>
-              <a:off x="829365" y="1752321"/>
-              <a:ext cx="2507422" cy="2507422"/>
-            </a:xfrm>
-            <a:prstGeom prst="rect">
-              <a:avLst/>
-            </a:prstGeom>
-          </p:spPr>
-        </p:pic>
-      </p:grpSp>
+          <a:prstGeom prst="rect">
+            <a:avLst/>
+          </a:prstGeom>
+        </p:spPr>
+      </p:pic>
+      <p:pic>
+        <p:nvPicPr>
+          <p:cNvPr id="9" name="Picture 8"/>
+          <p:cNvPicPr>
+            <a:picLocks noChangeAspect="1"/>
+          </p:cNvPicPr>
+          <p:nvPr/>
+        </p:nvPicPr>
+        <p:blipFill rotWithShape="1">
+          <a:blip r:embed="rId4">
+            <a:extLst>
+              <a:ext uri="{28A0092B-C50C-407E-A947-70E740481C1C}">
+                <a14:useLocalDpi xmlns:a14="http://schemas.microsoft.com/office/drawing/2010/main" val="0"/>
+              </a:ext>
+            </a:extLst>
+          </a:blip>
+          <a:srcRect l="26781" t="6862" r="25523" b="26082"/>
+          <a:stretch/>
+        </p:blipFill>
+        <p:spPr>
+          <a:xfrm>
+            <a:off x="2935705" y="240631"/>
+            <a:ext cx="3272590" cy="3449053"/>
+          </a:xfrm>
+          <a:prstGeom prst="rect">
+            <a:avLst/>
+          </a:prstGeom>
+        </p:spPr>
+      </p:pic>
     </p:spTree>
     <p:extLst>
       <p:ext uri="{BB962C8B-B14F-4D97-AF65-F5344CB8AC3E}">
@@ -5015,9 +4757,398 @@
           <a:chExt cx="0" cy="0"/>
         </a:xfrm>
       </p:grpSpPr>
+      <p:sp>
+        <p:nvSpPr>
+          <p:cNvPr id="2" name="Title 1"/>
+          <p:cNvSpPr>
+            <a:spLocks noGrp="1"/>
+          </p:cNvSpPr>
+          <p:nvPr>
+            <p:ph type="title"/>
+          </p:nvPr>
+        </p:nvSpPr>
+        <p:spPr/>
+        <p:txBody>
+          <a:bodyPr/>
+          <a:lstStyle/>
+          <a:p>
+            <a:r>
+              <a:rPr lang="en-US" dirty="0" smtClean="0"/>
+              <a:t>Let’s Get Started!</a:t>
+            </a:r>
+            <a:endParaRPr lang="en-US" dirty="0"/>
+          </a:p>
+        </p:txBody>
+      </p:sp>
+      <p:sp>
+        <p:nvSpPr>
+          <p:cNvPr id="3" name="Content Placeholder 2"/>
+          <p:cNvSpPr>
+            <a:spLocks noGrp="1"/>
+          </p:cNvSpPr>
+          <p:nvPr>
+            <p:ph idx="1"/>
+          </p:nvPr>
+        </p:nvSpPr>
+        <p:spPr/>
+        <p:txBody>
+          <a:bodyPr vert="horz" lIns="91440" tIns="45720" rIns="91440" bIns="45720" rtlCol="0">
+            <a:normAutofit/>
+          </a:bodyPr>
+          <a:lstStyle/>
+          <a:p>
+            <a:pPr marL="0" lvl="0" indent="0" defTabSz="914400">
+              <a:spcBef>
+                <a:spcPts val="0"/>
+              </a:spcBef>
+              <a:buNone/>
+            </a:pPr>
+            <a:r>
+              <a:rPr lang="en-US" sz="2200" dirty="0"/>
+              <a:t>http://</a:t>
+            </a:r>
+            <a:r>
+              <a:rPr lang="en-US" sz="2200" dirty="0" err="1" smtClean="0"/>
+              <a:t>bit.ly</a:t>
+            </a:r>
+            <a:r>
+              <a:rPr lang="en-US" sz="2200" dirty="0" smtClean="0"/>
+              <a:t>/electron-workshop</a:t>
+            </a:r>
+          </a:p>
+          <a:p>
+            <a:pPr marL="0" lvl="0" indent="0" defTabSz="914400">
+              <a:spcBef>
+                <a:spcPts val="0"/>
+              </a:spcBef>
+              <a:buNone/>
+            </a:pPr>
+            <a:r>
+              <a:rPr lang="en-US" sz="2200" dirty="0"/>
+              <a:t> </a:t>
+            </a:r>
+            <a:endParaRPr lang="en-US" sz="2200" dirty="0" smtClean="0"/>
+          </a:p>
+          <a:p>
+            <a:pPr marL="0" lvl="0" indent="0" defTabSz="914400">
+              <a:spcBef>
+                <a:spcPts val="0"/>
+              </a:spcBef>
+              <a:buNone/>
+            </a:pPr>
+            <a:r>
+              <a:rPr lang="en-US" sz="2200" dirty="0" smtClean="0"/>
+              <a:t> - or –</a:t>
+            </a:r>
+          </a:p>
+          <a:p>
+            <a:pPr marL="0" lvl="0" indent="0" defTabSz="914400">
+              <a:spcBef>
+                <a:spcPts val="0"/>
+              </a:spcBef>
+              <a:buNone/>
+            </a:pPr>
+            <a:endParaRPr lang="en-US" sz="2200" dirty="0"/>
+          </a:p>
+          <a:p>
+            <a:pPr marL="0" lvl="0" indent="0" defTabSz="914400">
+              <a:spcBef>
+                <a:spcPts val="0"/>
+              </a:spcBef>
+              <a:buNone/>
+            </a:pPr>
+            <a:r>
+              <a:rPr lang="en-US" sz="2200" dirty="0" smtClean="0"/>
+              <a:t>https</a:t>
+            </a:r>
+            <a:r>
+              <a:rPr lang="en-US" sz="2200" dirty="0"/>
+              <a:t>://</a:t>
+            </a:r>
+            <a:r>
+              <a:rPr lang="en-US" sz="2200" dirty="0" err="1"/>
+              <a:t>github.com</a:t>
+            </a:r>
+            <a:r>
+              <a:rPr lang="en-US" sz="2200" dirty="0"/>
+              <a:t>/</a:t>
+            </a:r>
+            <a:r>
+              <a:rPr lang="en-US" sz="2200" dirty="0" err="1"/>
+              <a:t>reverentgeek</a:t>
+            </a:r>
+            <a:r>
+              <a:rPr lang="en-US" sz="2200" dirty="0"/>
+              <a:t>/electron-workshop/wiki</a:t>
+            </a:r>
+          </a:p>
+        </p:txBody>
+      </p:sp>
+    </p:spTree>
+    <p:extLst>
+      <p:ext uri="{BB962C8B-B14F-4D97-AF65-F5344CB8AC3E}">
+        <p14:creationId xmlns:p14="http://schemas.microsoft.com/office/powerpoint/2010/main" val="1012098298"/>
+      </p:ext>
+    </p:extLst>
+  </p:cSld>
+  <p:clrMapOvr>
+    <a:masterClrMapping/>
+  </p:clrMapOvr>
+  <p:transition spd="slow">
+    <p:push/>
+  </p:transition>
+  <p:timing>
+    <p:tnLst>
+      <p:par>
+        <p:cTn id="1" dur="indefinite" restart="never" nodeType="tmRoot">
+          <p:childTnLst>
+            <p:seq concurrent="1" nextAc="seek">
+              <p:cTn id="2" dur="indefinite" nodeType="mainSeq">
+                <p:childTnLst>
+                  <p:par>
+                    <p:cTn id="3" fill="hold">
+                      <p:stCondLst>
+                        <p:cond delay="indefinite"/>
+                      </p:stCondLst>
+                      <p:childTnLst>
+                        <p:par>
+                          <p:cTn id="4" fill="hold">
+                            <p:stCondLst>
+                              <p:cond delay="0"/>
+                            </p:stCondLst>
+                            <p:childTnLst>
+                              <p:par>
+                                <p:cTn id="5" presetID="1" presetClass="entr" presetSubtype="0" fill="hold" grpId="0" nodeType="clickEffect">
+                                  <p:stCondLst>
+                                    <p:cond delay="0"/>
+                                  </p:stCondLst>
+                                  <p:childTnLst>
+                                    <p:set>
+                                      <p:cBhvr>
+                                        <p:cTn id="6" dur="1" fill="hold">
+                                          <p:stCondLst>
+                                            <p:cond delay="0"/>
+                                          </p:stCondLst>
+                                        </p:cTn>
+                                        <p:tgtEl>
+                                          <p:spTgt spid="3">
+                                            <p:txEl>
+                                              <p:pRg st="0" end="0"/>
+                                            </p:txEl>
+                                          </p:spTgt>
+                                        </p:tgtEl>
+                                        <p:attrNameLst>
+                                          <p:attrName>style.visibility</p:attrName>
+                                        </p:attrNameLst>
+                                      </p:cBhvr>
+                                      <p:to>
+                                        <p:strVal val="visible"/>
+                                      </p:to>
+                                    </p:set>
+                                  </p:childTnLst>
+                                </p:cTn>
+                              </p:par>
+                            </p:childTnLst>
+                          </p:cTn>
+                        </p:par>
+                      </p:childTnLst>
+                    </p:cTn>
+                  </p:par>
+                  <p:par>
+                    <p:cTn id="7" fill="hold">
+                      <p:stCondLst>
+                        <p:cond delay="indefinite"/>
+                      </p:stCondLst>
+                      <p:childTnLst>
+                        <p:par>
+                          <p:cTn id="8" fill="hold">
+                            <p:stCondLst>
+                              <p:cond delay="0"/>
+                            </p:stCondLst>
+                            <p:childTnLst>
+                              <p:par>
+                                <p:cTn id="9" presetID="1" presetClass="entr" presetSubtype="0" fill="hold" grpId="0" nodeType="clickEffect">
+                                  <p:stCondLst>
+                                    <p:cond delay="0"/>
+                                  </p:stCondLst>
+                                  <p:childTnLst>
+                                    <p:set>
+                                      <p:cBhvr>
+                                        <p:cTn id="10" dur="1" fill="hold">
+                                          <p:stCondLst>
+                                            <p:cond delay="0"/>
+                                          </p:stCondLst>
+                                        </p:cTn>
+                                        <p:tgtEl>
+                                          <p:spTgt spid="3">
+                                            <p:txEl>
+                                              <p:pRg st="1" end="1"/>
+                                            </p:txEl>
+                                          </p:spTgt>
+                                        </p:tgtEl>
+                                        <p:attrNameLst>
+                                          <p:attrName>style.visibility</p:attrName>
+                                        </p:attrNameLst>
+                                      </p:cBhvr>
+                                      <p:to>
+                                        <p:strVal val="visible"/>
+                                      </p:to>
+                                    </p:set>
+                                  </p:childTnLst>
+                                </p:cTn>
+                              </p:par>
+                            </p:childTnLst>
+                          </p:cTn>
+                        </p:par>
+                      </p:childTnLst>
+                    </p:cTn>
+                  </p:par>
+                  <p:par>
+                    <p:cTn id="11" fill="hold">
+                      <p:stCondLst>
+                        <p:cond delay="indefinite"/>
+                      </p:stCondLst>
+                      <p:childTnLst>
+                        <p:par>
+                          <p:cTn id="12" fill="hold">
+                            <p:stCondLst>
+                              <p:cond delay="0"/>
+                            </p:stCondLst>
+                            <p:childTnLst>
+                              <p:par>
+                                <p:cTn id="13" presetID="1" presetClass="entr" presetSubtype="0" fill="hold" grpId="0" nodeType="clickEffect">
+                                  <p:stCondLst>
+                                    <p:cond delay="0"/>
+                                  </p:stCondLst>
+                                  <p:childTnLst>
+                                    <p:set>
+                                      <p:cBhvr>
+                                        <p:cTn id="14" dur="1" fill="hold">
+                                          <p:stCondLst>
+                                            <p:cond delay="0"/>
+                                          </p:stCondLst>
+                                        </p:cTn>
+                                        <p:tgtEl>
+                                          <p:spTgt spid="3">
+                                            <p:txEl>
+                                              <p:pRg st="2" end="2"/>
+                                            </p:txEl>
+                                          </p:spTgt>
+                                        </p:tgtEl>
+                                        <p:attrNameLst>
+                                          <p:attrName>style.visibility</p:attrName>
+                                        </p:attrNameLst>
+                                      </p:cBhvr>
+                                      <p:to>
+                                        <p:strVal val="visible"/>
+                                      </p:to>
+                                    </p:set>
+                                  </p:childTnLst>
+                                </p:cTn>
+                              </p:par>
+                            </p:childTnLst>
+                          </p:cTn>
+                        </p:par>
+                      </p:childTnLst>
+                    </p:cTn>
+                  </p:par>
+                  <p:par>
+                    <p:cTn id="15" fill="hold">
+                      <p:stCondLst>
+                        <p:cond delay="indefinite"/>
+                      </p:stCondLst>
+                      <p:childTnLst>
+                        <p:par>
+                          <p:cTn id="16" fill="hold">
+                            <p:stCondLst>
+                              <p:cond delay="0"/>
+                            </p:stCondLst>
+                            <p:childTnLst>
+                              <p:par>
+                                <p:cTn id="17" presetID="1" presetClass="entr" presetSubtype="0" fill="hold" grpId="0" nodeType="clickEffect">
+                                  <p:stCondLst>
+                                    <p:cond delay="0"/>
+                                  </p:stCondLst>
+                                  <p:childTnLst>
+                                    <p:set>
+                                      <p:cBhvr>
+                                        <p:cTn id="18" dur="1" fill="hold">
+                                          <p:stCondLst>
+                                            <p:cond delay="0"/>
+                                          </p:stCondLst>
+                                        </p:cTn>
+                                        <p:tgtEl>
+                                          <p:spTgt spid="3">
+                                            <p:txEl>
+                                              <p:pRg st="4" end="4"/>
+                                            </p:txEl>
+                                          </p:spTgt>
+                                        </p:tgtEl>
+                                        <p:attrNameLst>
+                                          <p:attrName>style.visibility</p:attrName>
+                                        </p:attrNameLst>
+                                      </p:cBhvr>
+                                      <p:to>
+                                        <p:strVal val="visible"/>
+                                      </p:to>
+                                    </p:set>
+                                  </p:childTnLst>
+                                </p:cTn>
+                              </p:par>
+                            </p:childTnLst>
+                          </p:cTn>
+                        </p:par>
+                      </p:childTnLst>
+                    </p:cTn>
+                  </p:par>
+                </p:childTnLst>
+              </p:cTn>
+              <p:prevCondLst>
+                <p:cond evt="onPrev" delay="0">
+                  <p:tgtEl>
+                    <p:sldTgt/>
+                  </p:tgtEl>
+                </p:cond>
+              </p:prevCondLst>
+              <p:nextCondLst>
+                <p:cond evt="onNext" delay="0">
+                  <p:tgtEl>
+                    <p:sldTgt/>
+                  </p:tgtEl>
+                </p:cond>
+              </p:nextCondLst>
+            </p:seq>
+          </p:childTnLst>
+        </p:cTn>
+      </p:par>
+    </p:tnLst>
+    <p:bldLst>
+      <p:bldP spid="3" grpId="0" build="p"/>
+    </p:bldLst>
+  </p:timing>
+</p:sld>
+</file>
+
+<file path=ppt/slides/slide11.xml><?xml version="1.0" encoding="utf-8"?>
+<p:sld xmlns:a="http://schemas.openxmlformats.org/drawingml/2006/main" xmlns:r="http://schemas.openxmlformats.org/officeDocument/2006/relationships" xmlns:p="http://schemas.openxmlformats.org/presentationml/2006/main">
+  <p:cSld>
+    <p:spTree>
+      <p:nvGrpSpPr>
+        <p:cNvPr id="1" name=""/>
+        <p:cNvGrpSpPr/>
+        <p:nvPr/>
+      </p:nvGrpSpPr>
+      <p:grpSpPr>
+        <a:xfrm>
+          <a:off x="0" y="0"/>
+          <a:ext cx="0" cy="0"/>
+          <a:chOff x="0" y="0"/>
+          <a:chExt cx="0" cy="0"/>
+        </a:xfrm>
+      </p:grpSpPr>
       <p:pic>
         <p:nvPicPr>
-          <p:cNvPr id="2" name="Picture 1" descr="IMG_0224.PNG"/>
+          <p:cNvPr id="3" name="Picture 2"/>
           <p:cNvPicPr>
             <a:picLocks noChangeAspect="1"/>
           </p:cNvPicPr>
@@ -5031,13 +5162,13 @@
               </a:ext>
             </a:extLst>
           </a:blip>
-          <a:srcRect l="11531" t="5420" r="14697" b="8457"/>
+          <a:srcRect t="3971" b="6311"/>
           <a:stretch/>
         </p:blipFill>
         <p:spPr>
           <a:xfrm>
-            <a:off x="1634801" y="0"/>
-            <a:ext cx="5874398" cy="5143500"/>
+            <a:off x="1154438" y="0"/>
+            <a:ext cx="6835125" cy="5009217"/>
           </a:xfrm>
           <a:prstGeom prst="rect">
             <a:avLst/>
@@ -5067,7 +5198,7 @@
 </p:sld>
 </file>
 
-<file path=ppt/slides/slide11.xml><?xml version="1.0" encoding="utf-8"?>
+<file path=ppt/slides/slide12.xml><?xml version="1.0" encoding="utf-8"?>
 <p:sld xmlns:a="http://schemas.openxmlformats.org/drawingml/2006/main" xmlns:r="http://schemas.openxmlformats.org/officeDocument/2006/relationships" xmlns:p="http://schemas.openxmlformats.org/presentationml/2006/main">
   <p:cSld>
     <p:spTree>
@@ -5086,7 +5217,7 @@
       </p:grpSpPr>
       <p:pic>
         <p:nvPicPr>
-          <p:cNvPr id="2" name="Picture 1" descr="IMG_0249.jpg"/>
+          <p:cNvPr id="9" name="Picture 8"/>
           <p:cNvPicPr>
             <a:picLocks noChangeAspect="1"/>
           </p:cNvPicPr>
@@ -5100,279 +5231,19 @@
               </a:ext>
             </a:extLst>
           </a:blip>
-          <a:srcRect l="19315" t="9636" r="15495" b="13074"/>
+          <a:srcRect t="8227" r="4447" b="14326"/>
           <a:stretch/>
         </p:blipFill>
         <p:spPr>
           <a:xfrm>
-            <a:off x="1679843" y="0"/>
-            <a:ext cx="5784314" cy="5143500"/>
+            <a:off x="578752" y="0"/>
+            <a:ext cx="7986496" cy="4852479"/>
           </a:xfrm>
           <a:prstGeom prst="rect">
             <a:avLst/>
           </a:prstGeom>
         </p:spPr>
       </p:pic>
-    </p:spTree>
-    <p:extLst>
-      <p:ext uri="{BB962C8B-B14F-4D97-AF65-F5344CB8AC3E}">
-        <p14:creationId xmlns:p14="http://schemas.microsoft.com/office/powerpoint/2010/main" val="1968770282"/>
-      </p:ext>
-    </p:extLst>
-  </p:cSld>
-  <p:clrMapOvr>
-    <a:masterClrMapping/>
-  </p:clrMapOvr>
-  <mc:AlternateContent xmlns:mc="http://schemas.openxmlformats.org/markup-compatibility/2006" xmlns:p14="http://schemas.microsoft.com/office/powerpoint/2010/main">
-    <mc:Choice Requires="p14">
-      <p:transition p14:dur="0"/>
-    </mc:Choice>
-    <mc:Fallback xmlns="">
-      <p:transition/>
-    </mc:Fallback>
-  </mc:AlternateContent>
-  <p:timing>
-    <p:tnLst>
-      <p:par>
-        <p:cTn id="1" dur="indefinite" restart="never" nodeType="tmRoot"/>
-      </p:par>
-    </p:tnLst>
-  </p:timing>
-</p:sld>
-</file>
-
-<file path=ppt/slides/slide12.xml><?xml version="1.0" encoding="utf-8"?>
-<p:sld xmlns:a="http://schemas.openxmlformats.org/drawingml/2006/main" xmlns:r="http://schemas.openxmlformats.org/officeDocument/2006/relationships" xmlns:p="http://schemas.openxmlformats.org/presentationml/2006/main">
-  <p:cSld>
-    <p:spTree>
-      <p:nvGrpSpPr>
-        <p:cNvPr id="1" name=""/>
-        <p:cNvGrpSpPr/>
-        <p:nvPr/>
-      </p:nvGrpSpPr>
-      <p:grpSpPr>
-        <a:xfrm>
-          <a:off x="0" y="0"/>
-          <a:ext cx="0" cy="0"/>
-          <a:chOff x="0" y="0"/>
-          <a:chExt cx="0" cy="0"/>
-        </a:xfrm>
-      </p:grpSpPr>
-      <p:sp>
-        <p:nvSpPr>
-          <p:cNvPr id="2" name="Title 1"/>
-          <p:cNvSpPr>
-            <a:spLocks noGrp="1"/>
-          </p:cNvSpPr>
-          <p:nvPr>
-            <p:ph type="title"/>
-          </p:nvPr>
-        </p:nvSpPr>
-        <p:spPr/>
-        <p:txBody>
-          <a:bodyPr/>
-          <a:lstStyle/>
-          <a:p>
-            <a:pPr algn="ctr"/>
-            <a:r>
-              <a:rPr lang="en-US" dirty="0" smtClean="0">
-                <a:latin typeface="FFF Tusj Bold"/>
-                <a:cs typeface="FFF Tusj Bold"/>
-              </a:rPr>
-              <a:t>Thank you!</a:t>
-            </a:r>
-            <a:endParaRPr lang="en-US" dirty="0">
-              <a:latin typeface="FFF Tusj Bold"/>
-              <a:cs typeface="FFF Tusj Bold"/>
-            </a:endParaRPr>
-          </a:p>
-        </p:txBody>
-      </p:sp>
-      <p:grpSp>
-        <p:nvGrpSpPr>
-          <p:cNvPr id="5" name="Group 4"/>
-          <p:cNvGrpSpPr/>
-          <p:nvPr/>
-        </p:nvGrpSpPr>
-        <p:grpSpPr>
-          <a:xfrm>
-            <a:off x="1834479" y="1148554"/>
-            <a:ext cx="5870431" cy="2736022"/>
-            <a:chOff x="1186070" y="920982"/>
-            <a:chExt cx="5870431" cy="2736022"/>
-          </a:xfrm>
-        </p:grpSpPr>
-        <p:pic>
-          <p:nvPicPr>
-            <p:cNvPr id="7" name="Picture 6" descr="david_cartoon_avatar.gif"/>
-            <p:cNvPicPr>
-              <a:picLocks noChangeAspect="1"/>
-            </p:cNvPicPr>
-            <p:nvPr/>
-          </p:nvPicPr>
-          <p:blipFill>
-            <a:blip r:embed="rId2">
-              <a:extLst>
-                <a:ext uri="{28A0092B-C50C-407E-A947-70E740481C1C}">
-                  <a14:useLocalDpi xmlns:a14="http://schemas.microsoft.com/office/drawing/2010/main" val="0"/>
-                </a:ext>
-              </a:extLst>
-            </a:blip>
-            <a:stretch>
-              <a:fillRect/>
-            </a:stretch>
-          </p:blipFill>
-          <p:spPr>
-            <a:xfrm>
-              <a:off x="1186070" y="920982"/>
-              <a:ext cx="2736022" cy="2736022"/>
-            </a:xfrm>
-            <a:prstGeom prst="rect">
-              <a:avLst/>
-            </a:prstGeom>
-          </p:spPr>
-        </p:pic>
-        <p:grpSp>
-          <p:nvGrpSpPr>
-            <p:cNvPr id="3" name="Group 2"/>
-            <p:cNvGrpSpPr/>
-            <p:nvPr/>
-          </p:nvGrpSpPr>
-          <p:grpSpPr>
-            <a:xfrm>
-              <a:off x="3954370" y="1423371"/>
-              <a:ext cx="3102131" cy="1754326"/>
-              <a:chOff x="4779321" y="1487050"/>
-              <a:chExt cx="3102131" cy="1754326"/>
-            </a:xfrm>
-          </p:grpSpPr>
-          <p:sp>
-            <p:nvSpPr>
-              <p:cNvPr id="4" name="TextBox 3"/>
-              <p:cNvSpPr txBox="1"/>
-              <p:nvPr/>
-            </p:nvSpPr>
-            <p:spPr>
-              <a:xfrm>
-                <a:off x="4779321" y="1487050"/>
-                <a:ext cx="3102131" cy="1754326"/>
-              </a:xfrm>
-              <a:prstGeom prst="rect">
-                <a:avLst/>
-              </a:prstGeom>
-              <a:noFill/>
-            </p:spPr>
-            <p:txBody>
-              <a:bodyPr wrap="none" rtlCol="0">
-                <a:spAutoFit/>
-              </a:bodyPr>
-              <a:lstStyle/>
-              <a:p>
-                <a:pPr>
-                  <a:lnSpc>
-                    <a:spcPct val="150000"/>
-                  </a:lnSpc>
-                </a:pPr>
-                <a:r>
-                  <a:rPr lang="en-US" dirty="0" smtClean="0">
-                    <a:latin typeface="Gotham HTF Light" charset="0"/>
-                    <a:ea typeface="Gotham HTF Light" charset="0"/>
-                    <a:cs typeface="Gotham HTF Light" charset="0"/>
-                  </a:rPr>
-                  <a:t>David Neal</a:t>
-                </a:r>
-              </a:p>
-              <a:p>
-                <a:pPr>
-                  <a:lnSpc>
-                    <a:spcPct val="150000"/>
-                  </a:lnSpc>
-                </a:pPr>
-                <a:r>
-                  <a:rPr lang="en-US" dirty="0" smtClean="0">
-                    <a:latin typeface="Gotham HTF Light" charset="0"/>
-                    <a:ea typeface="Gotham HTF Light" charset="0"/>
-                    <a:cs typeface="Gotham HTF Light" charset="0"/>
-                  </a:rPr>
-                  <a:t>@</a:t>
-                </a:r>
-                <a:r>
-                  <a:rPr lang="en-US" dirty="0" err="1" smtClean="0">
-                    <a:latin typeface="Gotham HTF Light" charset="0"/>
-                    <a:ea typeface="Gotham HTF Light" charset="0"/>
-                    <a:cs typeface="Gotham HTF Light" charset="0"/>
-                  </a:rPr>
-                  <a:t>ReverentGeek</a:t>
-                </a:r>
-                <a:endParaRPr lang="en-US" dirty="0" smtClean="0">
-                  <a:latin typeface="Gotham HTF Light" charset="0"/>
-                  <a:ea typeface="Gotham HTF Light" charset="0"/>
-                  <a:cs typeface="Gotham HTF Light" charset="0"/>
-                </a:endParaRPr>
-              </a:p>
-              <a:p>
-                <a:pPr>
-                  <a:lnSpc>
-                    <a:spcPct val="150000"/>
-                  </a:lnSpc>
-                </a:pPr>
-                <a:r>
-                  <a:rPr lang="en-US" dirty="0" err="1" smtClean="0">
-                    <a:latin typeface="Gotham HTF Light" charset="0"/>
-                    <a:ea typeface="Gotham HTF Light" charset="0"/>
-                    <a:cs typeface="Gotham HTF Light" charset="0"/>
-                  </a:rPr>
-                  <a:t>david@reverentgeek.com</a:t>
-                </a:r>
-                <a:endParaRPr lang="en-US" dirty="0" smtClean="0">
-                  <a:latin typeface="Gotham HTF Light" charset="0"/>
-                  <a:ea typeface="Gotham HTF Light" charset="0"/>
-                  <a:cs typeface="Gotham HTF Light" charset="0"/>
-                </a:endParaRPr>
-              </a:p>
-              <a:p>
-                <a:pPr>
-                  <a:lnSpc>
-                    <a:spcPct val="150000"/>
-                  </a:lnSpc>
-                </a:pPr>
-                <a:r>
-                  <a:rPr lang="en-US" dirty="0" smtClean="0">
-                    <a:latin typeface="Gotham HTF Light" charset="0"/>
-                    <a:ea typeface="Gotham HTF Light" charset="0"/>
-                    <a:cs typeface="Gotham HTF Light" charset="0"/>
-                  </a:rPr>
-                  <a:t>reverentgeek.com</a:t>
-                </a:r>
-              </a:p>
-            </p:txBody>
-          </p:sp>
-          <p:pic>
-            <p:nvPicPr>
-              <p:cNvPr id="10" name="Picture 9"/>
-              <p:cNvPicPr>
-                <a:picLocks noChangeAspect="1"/>
-              </p:cNvPicPr>
-              <p:nvPr/>
-            </p:nvPicPr>
-            <p:blipFill>
-              <a:blip r:embed="rId3"/>
-              <a:stretch>
-                <a:fillRect/>
-              </a:stretch>
-            </p:blipFill>
-            <p:spPr>
-              <a:xfrm>
-                <a:off x="6855103" y="2017196"/>
-                <a:ext cx="362621" cy="295098"/>
-              </a:xfrm>
-              <a:prstGeom prst="rect">
-                <a:avLst/>
-              </a:prstGeom>
-            </p:spPr>
-          </p:pic>
-        </p:grpSp>
-      </p:grpSp>
     </p:spTree>
     <p:extLst>
       <p:ext uri="{BB962C8B-B14F-4D97-AF65-F5344CB8AC3E}">
@@ -6556,375 +6427,59 @@
           <a:chExt cx="0" cy="0"/>
         </a:xfrm>
       </p:grpSpPr>
-      <p:sp>
-        <p:nvSpPr>
-          <p:cNvPr id="2" name="Title 1"/>
-          <p:cNvSpPr>
-            <a:spLocks noGrp="1"/>
-          </p:cNvSpPr>
-          <p:nvPr>
-            <p:ph type="title"/>
-          </p:nvPr>
-        </p:nvSpPr>
-        <p:spPr/>
-        <p:txBody>
-          <a:bodyPr/>
-          <a:lstStyle/>
-          <a:p>
-            <a:r>
-              <a:rPr lang="en-US" dirty="0" smtClean="0"/>
-              <a:t>Let’s Get Started!</a:t>
-            </a:r>
-            <a:endParaRPr lang="en-US" dirty="0"/>
-          </a:p>
-        </p:txBody>
-      </p:sp>
-      <p:sp>
-        <p:nvSpPr>
-          <p:cNvPr id="3" name="Content Placeholder 2"/>
-          <p:cNvSpPr>
-            <a:spLocks noGrp="1"/>
-          </p:cNvSpPr>
-          <p:nvPr>
-            <p:ph idx="1"/>
-          </p:nvPr>
-        </p:nvSpPr>
-        <p:spPr/>
-        <p:txBody>
-          <a:bodyPr vert="horz" lIns="91440" tIns="45720" rIns="91440" bIns="45720" rtlCol="0">
-            <a:normAutofit/>
-          </a:bodyPr>
-          <a:lstStyle/>
-          <a:p>
-            <a:pPr marL="0" lvl="0" indent="0" defTabSz="914400">
-              <a:spcBef>
-                <a:spcPts val="0"/>
-              </a:spcBef>
-              <a:buNone/>
-            </a:pPr>
-            <a:r>
-              <a:rPr lang="en-US" sz="2200" dirty="0"/>
-              <a:t>http://</a:t>
-            </a:r>
-            <a:r>
-              <a:rPr lang="en-US" sz="2200" dirty="0" err="1" smtClean="0"/>
-              <a:t>bit.ly</a:t>
-            </a:r>
-            <a:r>
-              <a:rPr lang="en-US" sz="2200" dirty="0" smtClean="0"/>
-              <a:t>/electron-workshop</a:t>
-            </a:r>
-          </a:p>
-          <a:p>
-            <a:pPr marL="0" lvl="0" indent="0" defTabSz="914400">
-              <a:spcBef>
-                <a:spcPts val="0"/>
-              </a:spcBef>
-              <a:buNone/>
-            </a:pPr>
-            <a:r>
-              <a:rPr lang="en-US" sz="2200" dirty="0"/>
-              <a:t> </a:t>
-            </a:r>
-            <a:endParaRPr lang="en-US" sz="2200" dirty="0" smtClean="0"/>
-          </a:p>
-          <a:p>
-            <a:pPr marL="0" lvl="0" indent="0" defTabSz="914400">
-              <a:spcBef>
-                <a:spcPts val="0"/>
-              </a:spcBef>
-              <a:buNone/>
-            </a:pPr>
-            <a:r>
-              <a:rPr lang="en-US" sz="2200" smtClean="0"/>
-              <a:t> - or –</a:t>
-            </a:r>
-          </a:p>
-          <a:p>
-            <a:pPr marL="0" lvl="0" indent="0" defTabSz="914400">
-              <a:spcBef>
-                <a:spcPts val="0"/>
-              </a:spcBef>
-              <a:buNone/>
-            </a:pPr>
-            <a:endParaRPr lang="en-US" sz="2200"/>
-          </a:p>
-          <a:p>
-            <a:pPr marL="0" lvl="0" indent="0" defTabSz="914400">
-              <a:spcBef>
-                <a:spcPts val="0"/>
-              </a:spcBef>
-              <a:buNone/>
-            </a:pPr>
-            <a:r>
-              <a:rPr lang="en-US" sz="2200" dirty="0" smtClean="0"/>
-              <a:t>https</a:t>
-            </a:r>
-            <a:r>
-              <a:rPr lang="en-US" sz="2200" dirty="0"/>
-              <a:t>://</a:t>
-            </a:r>
-            <a:r>
-              <a:rPr lang="en-US" sz="2200" dirty="0" err="1"/>
-              <a:t>github.com</a:t>
-            </a:r>
-            <a:r>
-              <a:rPr lang="en-US" sz="2200" dirty="0"/>
-              <a:t>/</a:t>
-            </a:r>
-            <a:r>
-              <a:rPr lang="en-US" sz="2200" dirty="0" err="1"/>
-              <a:t>reverentgeek</a:t>
-            </a:r>
-            <a:r>
-              <a:rPr lang="en-US" sz="2200" dirty="0"/>
-              <a:t>/electron-workshop/wiki</a:t>
-            </a:r>
-            <a:endParaRPr lang="en-US" sz="2200" dirty="0"/>
-          </a:p>
-        </p:txBody>
-      </p:sp>
+      <p:pic>
+        <p:nvPicPr>
+          <p:cNvPr id="7" name="Picture 6"/>
+          <p:cNvPicPr>
+            <a:picLocks noChangeAspect="1"/>
+          </p:cNvPicPr>
+          <p:nvPr/>
+        </p:nvPicPr>
+        <p:blipFill rotWithShape="1">
+          <a:blip r:embed="rId3">
+            <a:extLst>
+              <a:ext uri="{28A0092B-C50C-407E-A947-70E740481C1C}">
+                <a14:useLocalDpi xmlns:a14="http://schemas.microsoft.com/office/drawing/2010/main" val="0"/>
+              </a:ext>
+            </a:extLst>
+          </a:blip>
+          <a:srcRect l="16350" t="8560" r="24666" b="5843"/>
+          <a:stretch/>
+        </p:blipFill>
+        <p:spPr>
+          <a:xfrm>
+            <a:off x="2413000" y="128336"/>
+            <a:ext cx="4318000" cy="4697404"/>
+          </a:xfrm>
+          <a:prstGeom prst="rect">
+            <a:avLst/>
+          </a:prstGeom>
+        </p:spPr>
+      </p:pic>
     </p:spTree>
     <p:extLst>
       <p:ext uri="{BB962C8B-B14F-4D97-AF65-F5344CB8AC3E}">
-        <p14:creationId xmlns:p14="http://schemas.microsoft.com/office/powerpoint/2010/main" val="1012098298"/>
+        <p14:creationId xmlns:p14="http://schemas.microsoft.com/office/powerpoint/2010/main" val="1645428165"/>
       </p:ext>
     </p:extLst>
   </p:cSld>
   <p:clrMapOvr>
     <a:masterClrMapping/>
   </p:clrMapOvr>
-  <p:transition spd="slow">
-    <p:push/>
-  </p:transition>
+  <mc:AlternateContent xmlns:mc="http://schemas.openxmlformats.org/markup-compatibility/2006" xmlns:p14="http://schemas.microsoft.com/office/powerpoint/2010/main">
+    <mc:Choice Requires="p14">
+      <p:transition p14:dur="0"/>
+    </mc:Choice>
+    <mc:Fallback xmlns="">
+      <p:transition/>
+    </mc:Fallback>
+  </mc:AlternateContent>
   <p:timing>
     <p:tnLst>
       <p:par>
-        <p:cTn id="1" dur="indefinite" restart="never" nodeType="tmRoot">
-          <p:childTnLst>
-            <p:seq concurrent="1" nextAc="seek">
-              <p:cTn id="2" dur="indefinite" nodeType="mainSeq">
-                <p:childTnLst>
-                  <p:par>
-                    <p:cTn id="3" fill="hold">
-                      <p:stCondLst>
-                        <p:cond delay="indefinite"/>
-                      </p:stCondLst>
-                      <p:childTnLst>
-                        <p:par>
-                          <p:cTn id="4" fill="hold">
-                            <p:stCondLst>
-                              <p:cond delay="0"/>
-                            </p:stCondLst>
-                            <p:childTnLst>
-                              <p:par>
-                                <p:cTn id="5" presetID="1" presetClass="entr" presetSubtype="0" fill="hold" grpId="0" nodeType="clickEffect">
-                                  <p:stCondLst>
-                                    <p:cond delay="0"/>
-                                  </p:stCondLst>
-                                  <p:childTnLst>
-                                    <p:set>
-                                      <p:cBhvr>
-                                        <p:cTn id="6" dur="1" fill="hold">
-                                          <p:stCondLst>
-                                            <p:cond delay="0"/>
-                                          </p:stCondLst>
-                                        </p:cTn>
-                                        <p:tgtEl>
-                                          <p:spTgt spid="3">
-                                            <p:txEl>
-                                              <p:pRg st="0" end="0"/>
-                                            </p:txEl>
-                                          </p:spTgt>
-                                        </p:tgtEl>
-                                        <p:attrNameLst>
-                                          <p:attrName>style.visibility</p:attrName>
-                                        </p:attrNameLst>
-                                      </p:cBhvr>
-                                      <p:to>
-                                        <p:strVal val="visible"/>
-                                      </p:to>
-                                    </p:set>
-                                  </p:childTnLst>
-                                </p:cTn>
-                              </p:par>
-                            </p:childTnLst>
-                          </p:cTn>
-                        </p:par>
-                      </p:childTnLst>
-                    </p:cTn>
-                  </p:par>
-                  <p:par>
-                    <p:cTn id="7" fill="hold">
-                      <p:stCondLst>
-                        <p:cond delay="indefinite"/>
-                      </p:stCondLst>
-                      <p:childTnLst>
-                        <p:par>
-                          <p:cTn id="8" fill="hold">
-                            <p:stCondLst>
-                              <p:cond delay="0"/>
-                            </p:stCondLst>
-                            <p:childTnLst>
-                              <p:par>
-                                <p:cTn id="9" presetID="1" presetClass="entr" presetSubtype="0" fill="hold" grpId="0" nodeType="clickEffect">
-                                  <p:stCondLst>
-                                    <p:cond delay="0"/>
-                                  </p:stCondLst>
-                                  <p:childTnLst>
-                                    <p:set>
-                                      <p:cBhvr>
-                                        <p:cTn id="10" dur="1" fill="hold">
-                                          <p:stCondLst>
-                                            <p:cond delay="0"/>
-                                          </p:stCondLst>
-                                        </p:cTn>
-                                        <p:tgtEl>
-                                          <p:spTgt spid="3">
-                                            <p:txEl>
-                                              <p:pRg st="1" end="1"/>
-                                            </p:txEl>
-                                          </p:spTgt>
-                                        </p:tgtEl>
-                                        <p:attrNameLst>
-                                          <p:attrName>style.visibility</p:attrName>
-                                        </p:attrNameLst>
-                                      </p:cBhvr>
-                                      <p:to>
-                                        <p:strVal val="visible"/>
-                                      </p:to>
-                                    </p:set>
-                                  </p:childTnLst>
-                                </p:cTn>
-                              </p:par>
-                            </p:childTnLst>
-                          </p:cTn>
-                        </p:par>
-                      </p:childTnLst>
-                    </p:cTn>
-                  </p:par>
-                  <p:par>
-                    <p:cTn id="11" fill="hold">
-                      <p:stCondLst>
-                        <p:cond delay="indefinite"/>
-                      </p:stCondLst>
-                      <p:childTnLst>
-                        <p:par>
-                          <p:cTn id="12" fill="hold">
-                            <p:stCondLst>
-                              <p:cond delay="0"/>
-                            </p:stCondLst>
-                            <p:childTnLst>
-                              <p:par>
-                                <p:cTn id="13" presetID="1" presetClass="entr" presetSubtype="0" fill="hold" grpId="0" nodeType="clickEffect">
-                                  <p:stCondLst>
-                                    <p:cond delay="0"/>
-                                  </p:stCondLst>
-                                  <p:childTnLst>
-                                    <p:set>
-                                      <p:cBhvr>
-                                        <p:cTn id="14" dur="1" fill="hold">
-                                          <p:stCondLst>
-                                            <p:cond delay="0"/>
-                                          </p:stCondLst>
-                                        </p:cTn>
-                                        <p:tgtEl>
-                                          <p:spTgt spid="3">
-                                            <p:txEl>
-                                              <p:pRg st="2" end="2"/>
-                                            </p:txEl>
-                                          </p:spTgt>
-                                        </p:tgtEl>
-                                        <p:attrNameLst>
-                                          <p:attrName>style.visibility</p:attrName>
-                                        </p:attrNameLst>
-                                      </p:cBhvr>
-                                      <p:to>
-                                        <p:strVal val="visible"/>
-                                      </p:to>
-                                    </p:set>
-                                  </p:childTnLst>
-                                </p:cTn>
-                              </p:par>
-                            </p:childTnLst>
-                          </p:cTn>
-                        </p:par>
-                      </p:childTnLst>
-                    </p:cTn>
-                  </p:par>
-                  <p:par>
-                    <p:cTn id="15" fill="hold">
-                      <p:stCondLst>
-                        <p:cond delay="indefinite"/>
-                      </p:stCondLst>
-                      <p:childTnLst>
-                        <p:par>
-                          <p:cTn id="16" fill="hold">
-                            <p:stCondLst>
-                              <p:cond delay="0"/>
-                            </p:stCondLst>
-                            <p:childTnLst>
-                              <p:par>
-                                <p:cTn id="17" presetID="1" presetClass="entr" presetSubtype="0" fill="hold" grpId="0" nodeType="clickEffect">
-                                  <p:stCondLst>
-                                    <p:cond delay="0"/>
-                                  </p:stCondLst>
-                                  <p:childTnLst>
-                                    <p:set>
-                                      <p:cBhvr>
-                                        <p:cTn id="18" dur="1" fill="hold">
-                                          <p:stCondLst>
-                                            <p:cond delay="0"/>
-                                          </p:stCondLst>
-                                        </p:cTn>
-                                        <p:tgtEl>
-                                          <p:spTgt spid="3">
-                                            <p:txEl>
-                                              <p:pRg st="4" end="4"/>
-                                            </p:txEl>
-                                          </p:spTgt>
-                                        </p:tgtEl>
-                                        <p:attrNameLst>
-                                          <p:attrName>style.visibility</p:attrName>
-                                        </p:attrNameLst>
-                                      </p:cBhvr>
-                                      <p:to>
-                                        <p:strVal val="visible"/>
-                                      </p:to>
-                                    </p:set>
-                                  </p:childTnLst>
-                                </p:cTn>
-                              </p:par>
-                            </p:childTnLst>
-                          </p:cTn>
-                        </p:par>
-                      </p:childTnLst>
-                    </p:cTn>
-                  </p:par>
-                </p:childTnLst>
-              </p:cTn>
-              <p:prevCondLst>
-                <p:cond evt="onPrev" delay="0">
-                  <p:tgtEl>
-                    <p:sldTgt/>
-                  </p:tgtEl>
-                </p:cond>
-              </p:prevCondLst>
-              <p:nextCondLst>
-                <p:cond evt="onNext" delay="0">
-                  <p:tgtEl>
-                    <p:sldTgt/>
-                  </p:tgtEl>
-                </p:cond>
-              </p:nextCondLst>
-            </p:seq>
-          </p:childTnLst>
-        </p:cTn>
+        <p:cTn id="1" dur="indefinite" restart="never" nodeType="tmRoot"/>
       </p:par>
     </p:tnLst>
-    <p:bldLst>
-      <p:bldP spid="3" grpId="0" build="p"/>
-    </p:bldLst>
   </p:timing>
 </p:sld>
 </file>
